--- a/VGA presentation [GP 22-23].pptx
+++ b/VGA presentation [GP 22-23].pptx
@@ -112,6 +112,11 @@
       </a:defRPr>
     </a:lvl9pPr>
   </p:defaultTextStyle>
+  <p:extLst>
+    <p:ext uri="{EFAFB233-063F-42B5-8137-9DF3F51BA10A}">
+      <p15:sldGuideLst xmlns:p15="http://schemas.microsoft.com/office/powerpoint/2012/main"/>
+    </p:ext>
+  </p:extLst>
 </p:presentation>
 </file>
 
@@ -6212,8 +6217,8 @@
         </p:nvSpPr>
         <p:spPr>
           <a:xfrm>
-            <a:off x="889688" y="2553806"/>
-            <a:ext cx="6002110" cy="674561"/>
+            <a:off x="889688" y="1749287"/>
+            <a:ext cx="6002110" cy="1479081"/>
           </a:xfrm>
           <a:prstGeom prst="rect">
             <a:avLst/>
@@ -6317,6 +6322,23 @@
                 </a:effectLst>
               </a:rPr>
               <a:t>Design and Automation of VGA</a:t>
+            </a:r>
+          </a:p>
+          <a:p>
+            <a:r>
+              <a:rPr lang="ar-EG" sz="3400" b="1" dirty="0">
+                <a:solidFill>
+                  <a:schemeClr val="tx1"/>
+                </a:solidFill>
+                <a:effectLst>
+                  <a:outerShdw blurRad="38100" dist="38100" dir="2700000" algn="tl">
+                    <a:srgbClr val="000000">
+                      <a:alpha val="43137"/>
+                    </a:srgbClr>
+                  </a:outerShdw>
+                </a:effectLst>
+              </a:rPr>
+              <a:t>مضخم بكسب قابل للتغيير</a:t>
             </a:r>
             <a:endParaRPr lang="en-US" sz="3400" b="1" dirty="0">
               <a:solidFill>
@@ -6473,43 +6495,6 @@
       </p:sp>
       <p:pic>
         <p:nvPicPr>
-          <p:cNvPr id="9" name="صورة 4" descr="صورة تحتوي على داخلي, فن, التصميم&#10;&#10;تم إنشاء الوصف تلقائياً">
-            <a:extLst>
-              <a:ext uri="{FF2B5EF4-FFF2-40B4-BE49-F238E27FC236}">
-                <a16:creationId xmlns:a16="http://schemas.microsoft.com/office/drawing/2014/main" id="{F74D573A-D590-D27D-4C30-FCE2E85AB931}"/>
-              </a:ext>
-            </a:extLst>
-          </p:cNvPr>
-          <p:cNvPicPr>
-            <a:picLocks noGrp="1" noChangeAspect="1"/>
-          </p:cNvPicPr>
-          <p:nvPr>
-            <p:ph sz="half" idx="1"/>
-          </p:nvPr>
-        </p:nvPicPr>
-        <p:blipFill rotWithShape="1">
-          <a:blip r:embed="rId2">
-            <a:extLst>
-              <a:ext uri="{28A0092B-C50C-407E-A947-70E740481C1C}">
-                <a14:useLocalDpi xmlns:a14="http://schemas.microsoft.com/office/drawing/2010/main" val="0"/>
-              </a:ext>
-            </a:extLst>
-          </a:blip>
-          <a:srcRect l="17231" r="7575"/>
-          <a:stretch/>
-        </p:blipFill>
-        <p:spPr>
-          <a:xfrm>
-            <a:off x="2332936" y="2971367"/>
-            <a:ext cx="2526864" cy="2526858"/>
-          </a:xfrm>
-          <a:prstGeom prst="rect">
-            <a:avLst/>
-          </a:prstGeom>
-        </p:spPr>
-      </p:pic>
-      <p:pic>
-        <p:nvPicPr>
           <p:cNvPr id="10" name="صورة 6" descr="صورة تحتوي على قفل&#10;&#10;تم إنشاء الوصف تلقائياً بثقة متوسطة">
             <a:extLst>
               <a:ext uri="{FF2B5EF4-FFF2-40B4-BE49-F238E27FC236}">
@@ -6525,7 +6510,7 @@
           </p:nvPr>
         </p:nvPicPr>
         <p:blipFill rotWithShape="1">
-          <a:blip r:embed="rId3">
+          <a:blip r:embed="rId2">
             <a:extLst>
               <a:ext uri="{28A0092B-C50C-407E-A947-70E740481C1C}">
                 <a14:useLocalDpi xmlns:a14="http://schemas.microsoft.com/office/drawing/2010/main" val="0"/>
@@ -6537,8 +6522,8 @@
         </p:blipFill>
         <p:spPr>
           <a:xfrm>
-            <a:off x="7332178" y="2971367"/>
-            <a:ext cx="2526886" cy="2526859"/>
+            <a:off x="5057569" y="3063316"/>
+            <a:ext cx="2076861" cy="2076839"/>
           </a:xfrm>
           <a:prstGeom prst="rect">
             <a:avLst/>
@@ -6559,8 +6544,8 @@
         </p:nvSpPr>
         <p:spPr>
           <a:xfrm>
-            <a:off x="2332936" y="2601171"/>
-            <a:ext cx="2526865" cy="369332"/>
+            <a:off x="1746970" y="2555291"/>
+            <a:ext cx="2076844" cy="369332"/>
           </a:xfrm>
           <a:prstGeom prst="rect">
             <a:avLst/>
@@ -6595,8 +6580,8 @@
         </p:nvSpPr>
         <p:spPr>
           <a:xfrm>
-            <a:off x="1636633" y="5674898"/>
-            <a:ext cx="3901049" cy="307777"/>
+            <a:off x="1674127" y="5278848"/>
+            <a:ext cx="2216424" cy="738664"/>
           </a:xfrm>
           <a:prstGeom prst="rect">
             <a:avLst/>
@@ -6612,7 +6597,21 @@
             <a:pPr algn="ctr"/>
             <a:r>
               <a:rPr lang="en-US" sz="1400" b="1" dirty="0"/>
-              <a:t>100 µm – 1947(Bell labs) [8 nm – 2015 (Intel)]</a:t>
+              <a:t>The first transistor</a:t>
+            </a:r>
+          </a:p>
+          <a:p>
+            <a:pPr algn="ctr"/>
+            <a:r>
+              <a:rPr lang="en-US" sz="1400" b="1" dirty="0"/>
+              <a:t>Size of 100 µm </a:t>
+            </a:r>
+          </a:p>
+          <a:p>
+            <a:pPr algn="ctr"/>
+            <a:r>
+              <a:rPr lang="en-US" sz="1400" b="1" dirty="0"/>
+              <a:t>(Bell labs, 1947)</a:t>
             </a:r>
           </a:p>
         </p:txBody>
@@ -6631,8 +6630,8 @@
         </p:nvSpPr>
         <p:spPr>
           <a:xfrm>
-            <a:off x="7332200" y="2601171"/>
-            <a:ext cx="2526864" cy="369332"/>
+            <a:off x="5057587" y="2555291"/>
+            <a:ext cx="2076843" cy="369332"/>
           </a:xfrm>
           <a:prstGeom prst="rect">
             <a:avLst/>
@@ -6667,8 +6666,8 @@
         </p:nvSpPr>
         <p:spPr>
           <a:xfrm>
-            <a:off x="6096000" y="5677864"/>
-            <a:ext cx="5186499" cy="307777"/>
+            <a:off x="4890480" y="5278848"/>
+            <a:ext cx="2411037" cy="738664"/>
           </a:xfrm>
           <a:prstGeom prst="rect">
             <a:avLst/>
@@ -6684,8 +6683,304 @@
             <a:pPr algn="ctr"/>
             <a:r>
               <a:rPr lang="en-US" sz="1400" b="1" dirty="0"/>
-              <a:t>Only one transistor (+R+C) – ( Texas instruments 1958 )</a:t>
-            </a:r>
+              <a:t>Only one transistor </a:t>
+            </a:r>
+            <a:endParaRPr lang="ar-EG" sz="1400" b="1" dirty="0"/>
+          </a:p>
+          <a:p>
+            <a:pPr algn="ctr"/>
+            <a:r>
+              <a:rPr lang="en-US" sz="1400" b="1" dirty="0"/>
+              <a:t>Only (+R+C)</a:t>
+            </a:r>
+          </a:p>
+          <a:p>
+            <a:pPr algn="ctr"/>
+            <a:r>
+              <a:rPr lang="en-US" sz="1400" b="1" dirty="0"/>
+              <a:t>( Texas instruments ,1958 )</a:t>
+            </a:r>
+          </a:p>
+        </p:txBody>
+      </p:sp>
+      <p:pic>
+        <p:nvPicPr>
+          <p:cNvPr id="1026" name="Picture 2" descr="Intel SR1BA Processor Intel Xeon 12 Core 2.4GHz | New Bulk Pack">
+            <a:extLst>
+              <a:ext uri="{FF2B5EF4-FFF2-40B4-BE49-F238E27FC236}">
+                <a16:creationId xmlns:a16="http://schemas.microsoft.com/office/drawing/2014/main" id="{55C5C04D-665C-725D-E849-CCF44A8D164E}"/>
+              </a:ext>
+            </a:extLst>
+          </p:cNvPr>
+          <p:cNvPicPr>
+            <a:picLocks noChangeAspect="1" noChangeArrowheads="1"/>
+          </p:cNvPicPr>
+          <p:nvPr/>
+        </p:nvPicPr>
+        <p:blipFill>
+          <a:blip r:embed="rId3">
+            <a:extLst>
+              <a:ext uri="{28A0092B-C50C-407E-A947-70E740481C1C}">
+                <a14:useLocalDpi xmlns:a14="http://schemas.microsoft.com/office/drawing/2010/main" val="0"/>
+              </a:ext>
+            </a:extLst>
+          </a:blip>
+          <a:srcRect/>
+          <a:stretch>
+            <a:fillRect/>
+          </a:stretch>
+        </p:blipFill>
+        <p:spPr bwMode="auto">
+          <a:xfrm>
+            <a:off x="8368187" y="3063312"/>
+            <a:ext cx="2076843" cy="2076843"/>
+          </a:xfrm>
+          <a:prstGeom prst="rect">
+            <a:avLst/>
+          </a:prstGeom>
+          <a:noFill/>
+          <a:extLst>
+            <a:ext uri="{909E8E84-426E-40DD-AFC4-6F175D3DCCD1}">
+              <a14:hiddenFill xmlns:a14="http://schemas.microsoft.com/office/drawing/2010/main">
+                <a:solidFill>
+                  <a:srgbClr val="FFFFFF"/>
+                </a:solidFill>
+              </a14:hiddenFill>
+            </a:ext>
+          </a:extLst>
+        </p:spPr>
+      </p:pic>
+      <p:sp>
+        <p:nvSpPr>
+          <p:cNvPr id="3" name="TextBox 2">
+            <a:extLst>
+              <a:ext uri="{FF2B5EF4-FFF2-40B4-BE49-F238E27FC236}">
+                <a16:creationId xmlns:a16="http://schemas.microsoft.com/office/drawing/2014/main" id="{7A755C76-1E72-1AF7-5BA1-786C56FD4C7C}"/>
+              </a:ext>
+            </a:extLst>
+          </p:cNvPr>
+          <p:cNvSpPr txBox="1"/>
+          <p:nvPr/>
+        </p:nvSpPr>
+        <p:spPr>
+          <a:xfrm>
+            <a:off x="8368186" y="2566165"/>
+            <a:ext cx="2076843" cy="369332"/>
+          </a:xfrm>
+          <a:prstGeom prst="rect">
+            <a:avLst/>
+          </a:prstGeom>
+          <a:noFill/>
+        </p:spPr>
+        <p:txBody>
+          <a:bodyPr wrap="square">
+            <a:spAutoFit/>
+          </a:bodyPr>
+          <a:lstStyle/>
+          <a:p>
+            <a:pPr algn="ctr"/>
+            <a:r>
+              <a:rPr lang="en-US" sz="1800" b="1" dirty="0"/>
+              <a:t>Now Days</a:t>
+            </a:r>
+          </a:p>
+        </p:txBody>
+      </p:sp>
+      <p:sp>
+        <p:nvSpPr>
+          <p:cNvPr id="6" name="TextBox 5">
+            <a:extLst>
+              <a:ext uri="{FF2B5EF4-FFF2-40B4-BE49-F238E27FC236}">
+                <a16:creationId xmlns:a16="http://schemas.microsoft.com/office/drawing/2014/main" id="{74CC7C8B-6EA5-B57D-ABC9-5B036E780577}"/>
+              </a:ext>
+            </a:extLst>
+          </p:cNvPr>
+          <p:cNvSpPr txBox="1"/>
+          <p:nvPr/>
+        </p:nvSpPr>
+        <p:spPr>
+          <a:xfrm>
+            <a:off x="8201088" y="5278848"/>
+            <a:ext cx="2411037" cy="738664"/>
+          </a:xfrm>
+          <a:prstGeom prst="rect">
+            <a:avLst/>
+          </a:prstGeom>
+          <a:noFill/>
+        </p:spPr>
+        <p:txBody>
+          <a:bodyPr wrap="square">
+            <a:spAutoFit/>
+          </a:bodyPr>
+          <a:lstStyle/>
+          <a:p>
+            <a:pPr algn="ctr"/>
+            <a:r>
+              <a:rPr lang="fr-FR" sz="1400" b="1" dirty="0"/>
+              <a:t>Xeon E5 </a:t>
+            </a:r>
+            <a:r>
+              <a:rPr lang="fr-FR" sz="1400" b="1" dirty="0" err="1"/>
+              <a:t>Microprocessor</a:t>
+            </a:r>
+            <a:br>
+              <a:rPr lang="fr-FR" sz="1400" b="1" dirty="0"/>
+            </a:br>
+            <a:r>
+              <a:rPr lang="fr-FR" sz="1400" b="1" dirty="0"/>
+              <a:t>2.26 billion transistors!</a:t>
+            </a:r>
+            <a:br>
+              <a:rPr lang="fr-FR" sz="1400" b="1" dirty="0"/>
+            </a:br>
+            <a:r>
+              <a:rPr lang="fr-FR" sz="1400" b="1" dirty="0"/>
+              <a:t>( Intel, 2012 ) </a:t>
+            </a:r>
+            <a:endParaRPr lang="en-US" dirty="0"/>
+          </a:p>
+        </p:txBody>
+      </p:sp>
+      <p:pic>
+        <p:nvPicPr>
+          <p:cNvPr id="1030" name="Picture 6">
+            <a:extLst>
+              <a:ext uri="{FF2B5EF4-FFF2-40B4-BE49-F238E27FC236}">
+                <a16:creationId xmlns:a16="http://schemas.microsoft.com/office/drawing/2014/main" id="{F5B7D7B3-EE8C-7C18-2C42-2EA99455714F}"/>
+              </a:ext>
+            </a:extLst>
+          </p:cNvPr>
+          <p:cNvPicPr>
+            <a:picLocks noChangeAspect="1" noChangeArrowheads="1"/>
+          </p:cNvPicPr>
+          <p:nvPr/>
+        </p:nvPicPr>
+        <p:blipFill rotWithShape="1">
+          <a:blip r:embed="rId4">
+            <a:extLst>
+              <a:ext uri="{28A0092B-C50C-407E-A947-70E740481C1C}">
+                <a14:useLocalDpi xmlns:a14="http://schemas.microsoft.com/office/drawing/2010/main" val="0"/>
+              </a:ext>
+            </a:extLst>
+          </a:blip>
+          <a:srcRect l="33004" t="1363" r="24702" b="27781"/>
+          <a:stretch/>
+        </p:blipFill>
+        <p:spPr bwMode="auto">
+          <a:xfrm>
+            <a:off x="1955929" y="3063308"/>
+            <a:ext cx="1652821" cy="2076839"/>
+          </a:xfrm>
+          <a:prstGeom prst="rect">
+            <a:avLst/>
+          </a:prstGeom>
+          <a:noFill/>
+          <a:extLst>
+            <a:ext uri="{909E8E84-426E-40DD-AFC4-6F175D3DCCD1}">
+              <a14:hiddenFill xmlns:a14="http://schemas.microsoft.com/office/drawing/2010/main">
+                <a:solidFill>
+                  <a:srgbClr val="FFFFFF"/>
+                </a:solidFill>
+              </a14:hiddenFill>
+            </a:ext>
+          </a:extLst>
+        </p:spPr>
+      </p:pic>
+      <p:sp>
+        <p:nvSpPr>
+          <p:cNvPr id="15" name="Arrow: Right 14">
+            <a:extLst>
+              <a:ext uri="{FF2B5EF4-FFF2-40B4-BE49-F238E27FC236}">
+                <a16:creationId xmlns:a16="http://schemas.microsoft.com/office/drawing/2014/main" id="{184FEB88-4008-8850-2E69-DFEFE80294F9}"/>
+              </a:ext>
+            </a:extLst>
+          </p:cNvPr>
+          <p:cNvSpPr/>
+          <p:nvPr/>
+        </p:nvSpPr>
+        <p:spPr>
+          <a:xfrm>
+            <a:off x="3823812" y="3859411"/>
+            <a:ext cx="978408" cy="484632"/>
+          </a:xfrm>
+          <a:prstGeom prst="rightArrow">
+            <a:avLst/>
+          </a:prstGeom>
+          <a:solidFill>
+            <a:srgbClr val="E6B980"/>
+          </a:solidFill>
+        </p:spPr>
+        <p:style>
+          <a:lnRef idx="2">
+            <a:schemeClr val="accent1">
+              <a:shade val="50000"/>
+            </a:schemeClr>
+          </a:lnRef>
+          <a:fillRef idx="1">
+            <a:schemeClr val="accent1"/>
+          </a:fillRef>
+          <a:effectRef idx="0">
+            <a:schemeClr val="accent1"/>
+          </a:effectRef>
+          <a:fontRef idx="minor">
+            <a:schemeClr val="lt1"/>
+          </a:fontRef>
+        </p:style>
+        <p:txBody>
+          <a:bodyPr rtlCol="0" anchor="ctr"/>
+          <a:lstStyle/>
+          <a:p>
+            <a:pPr algn="ctr"/>
+            <a:endParaRPr lang="en-US" dirty="0"/>
+          </a:p>
+        </p:txBody>
+      </p:sp>
+      <p:sp>
+        <p:nvSpPr>
+          <p:cNvPr id="17" name="Arrow: Right 16">
+            <a:extLst>
+              <a:ext uri="{FF2B5EF4-FFF2-40B4-BE49-F238E27FC236}">
+                <a16:creationId xmlns:a16="http://schemas.microsoft.com/office/drawing/2014/main" id="{9C55384E-3829-52D1-6727-DAAF0479A4B8}"/>
+              </a:ext>
+            </a:extLst>
+          </p:cNvPr>
+          <p:cNvSpPr/>
+          <p:nvPr/>
+        </p:nvSpPr>
+        <p:spPr>
+          <a:xfrm>
+            <a:off x="7222680" y="3859411"/>
+            <a:ext cx="978408" cy="484632"/>
+          </a:xfrm>
+          <a:prstGeom prst="rightArrow">
+            <a:avLst/>
+          </a:prstGeom>
+          <a:solidFill>
+            <a:srgbClr val="E6B980"/>
+          </a:solidFill>
+        </p:spPr>
+        <p:style>
+          <a:lnRef idx="2">
+            <a:schemeClr val="accent1">
+              <a:shade val="50000"/>
+            </a:schemeClr>
+          </a:lnRef>
+          <a:fillRef idx="1">
+            <a:schemeClr val="accent1"/>
+          </a:fillRef>
+          <a:effectRef idx="0">
+            <a:schemeClr val="accent1"/>
+          </a:effectRef>
+          <a:fontRef idx="minor">
+            <a:schemeClr val="lt1"/>
+          </a:fontRef>
+        </p:style>
+        <p:txBody>
+          <a:bodyPr rtlCol="0" anchor="ctr"/>
+          <a:lstStyle/>
+          <a:p>
+            <a:pPr algn="ctr"/>
+            <a:endParaRPr lang="en-US" dirty="0"/>
           </a:p>
         </p:txBody>
       </p:sp>
@@ -6842,10 +7137,7 @@
             <a:r>
               <a:rPr lang="en-US" sz="2400" b="1" dirty="0">
                 <a:solidFill>
-                  <a:schemeClr val="accent5">
-                    <a:lumMod val="40000"/>
-                    <a:lumOff val="60000"/>
-                  </a:schemeClr>
+                  <a:srgbClr val="DEB076"/>
                 </a:solidFill>
               </a:rPr>
               <a:t>3 nm – 2022</a:t>
@@ -7257,8 +7549,8 @@
         </p:blipFill>
         <p:spPr>
           <a:xfrm>
-            <a:off x="8426345" y="1341013"/>
-            <a:ext cx="2215152" cy="1690008"/>
+            <a:off x="8264633" y="1341012"/>
+            <a:ext cx="2376864" cy="1813383"/>
           </a:xfrm>
           <a:prstGeom prst="rect">
             <a:avLst/>
@@ -7487,7 +7779,7 @@
                 <a:latin typeface="Arial" panose="020B0604020202020204" pitchFamily="34" charset="0"/>
                 <a:cs typeface="Arial" panose="020B0604020202020204" pitchFamily="34" charset="0"/>
               </a:rPr>
-              <a:t>Successful Product </a:t>
+              <a:t>= Successful Product </a:t>
             </a:r>
           </a:p>
         </p:txBody>
@@ -7575,7 +7867,7 @@
                 <a:latin typeface="Arial" panose="020B0604020202020204" pitchFamily="34" charset="0"/>
                 <a:cs typeface="Arial" panose="020B0604020202020204" pitchFamily="34" charset="0"/>
               </a:rPr>
-              <a:t>Faulty Product</a:t>
+              <a:t>= Faulty Product</a:t>
             </a:r>
           </a:p>
         </p:txBody>
@@ -7650,7 +7942,7 @@
                             </p:stCondLst>
                             <p:childTnLst>
                               <p:par>
-                                <p:cTn id="5" presetID="6" presetClass="entr" presetSubtype="16" fill="hold" grpId="0" nodeType="clickEffect">
+                                <p:cTn id="5" presetID="16" presetClass="entr" presetSubtype="37" fill="hold" grpId="0" nodeType="clickEffect">
                                   <p:stCondLst>
                                     <p:cond delay="0"/>
                                   </p:stCondLst>
@@ -7663,7 +7955,7 @@
                                           </p:stCondLst>
                                         </p:cTn>
                                         <p:tgtEl>
-                                          <p:spTgt spid="6"/>
+                                          <p:spTgt spid="4"/>
                                         </p:tgtEl>
                                         <p:attrNameLst>
                                           <p:attrName>style.visibility</p:attrName>
@@ -7673,11 +7965,11 @@
                                         <p:strVal val="visible"/>
                                       </p:to>
                                     </p:set>
-                                    <p:animEffect transition="in" filter="circle(in)">
+                                    <p:animEffect transition="in" filter="barn(outVertical)">
                                       <p:cBhvr>
-                                        <p:cTn id="7" dur="2000"/>
+                                        <p:cTn id="7" dur="500"/>
                                         <p:tgtEl>
-                                          <p:spTgt spid="6"/>
+                                          <p:spTgt spid="4"/>
                                         </p:tgtEl>
                                       </p:cBhvr>
                                     </p:animEffect>
@@ -7703,7 +7995,7 @@
                             </p:stCondLst>
                             <p:childTnLst>
                               <p:par>
-                                <p:cTn id="10" presetID="53" presetClass="entr" presetSubtype="16" fill="hold" nodeType="clickEffect">
+                                <p:cTn id="10" presetID="6" presetClass="entr" presetSubtype="16" fill="hold" grpId="0" nodeType="clickEffect">
                                   <p:stCondLst>
                                     <p:cond delay="0"/>
                                   </p:stCondLst>
@@ -7711,6 +8003,59 @@
                                     <p:set>
                                       <p:cBhvr>
                                         <p:cTn id="11" dur="1" fill="hold">
+                                          <p:stCondLst>
+                                            <p:cond delay="0"/>
+                                          </p:stCondLst>
+                                        </p:cTn>
+                                        <p:tgtEl>
+                                          <p:spTgt spid="6"/>
+                                        </p:tgtEl>
+                                        <p:attrNameLst>
+                                          <p:attrName>style.visibility</p:attrName>
+                                        </p:attrNameLst>
+                                      </p:cBhvr>
+                                      <p:to>
+                                        <p:strVal val="visible"/>
+                                      </p:to>
+                                    </p:set>
+                                    <p:animEffect transition="in" filter="circle(in)">
+                                      <p:cBhvr>
+                                        <p:cTn id="12" dur="500"/>
+                                        <p:tgtEl>
+                                          <p:spTgt spid="6"/>
+                                        </p:tgtEl>
+                                      </p:cBhvr>
+                                    </p:animEffect>
+                                  </p:childTnLst>
+                                </p:cTn>
+                              </p:par>
+                            </p:childTnLst>
+                          </p:cTn>
+                        </p:par>
+                      </p:childTnLst>
+                    </p:cTn>
+                  </p:par>
+                  <p:par>
+                    <p:cTn id="13" fill="hold">
+                      <p:stCondLst>
+                        <p:cond delay="indefinite"/>
+                      </p:stCondLst>
+                      <p:childTnLst>
+                        <p:par>
+                          <p:cTn id="14" fill="hold">
+                            <p:stCondLst>
+                              <p:cond delay="0"/>
+                            </p:stCondLst>
+                            <p:childTnLst>
+                              <p:par>
+                                <p:cTn id="15" presetID="53" presetClass="entr" presetSubtype="16" fill="hold" nodeType="clickEffect">
+                                  <p:stCondLst>
+                                    <p:cond delay="0"/>
+                                  </p:stCondLst>
+                                  <p:childTnLst>
+                                    <p:set>
+                                      <p:cBhvr>
+                                        <p:cTn id="16" dur="1" fill="hold">
                                           <p:stCondLst>
                                             <p:cond delay="0"/>
                                           </p:stCondLst>
@@ -7728,7 +8073,7 @@
                                     </p:set>
                                     <p:anim calcmode="lin" valueType="num">
                                       <p:cBhvr>
-                                        <p:cTn id="12" dur="500" fill="hold"/>
+                                        <p:cTn id="17" dur="500" fill="hold"/>
                                         <p:tgtEl>
                                           <p:spTgt spid="7"/>
                                         </p:tgtEl>
@@ -7751,7 +8096,7 @@
                                     </p:anim>
                                     <p:anim calcmode="lin" valueType="num">
                                       <p:cBhvr>
-                                        <p:cTn id="13" dur="500" fill="hold"/>
+                                        <p:cTn id="18" dur="500" fill="hold"/>
                                         <p:tgtEl>
                                           <p:spTgt spid="7"/>
                                         </p:tgtEl>
@@ -7774,62 +8119,9 @@
                                     </p:anim>
                                     <p:animEffect transition="in" filter="fade">
                                       <p:cBhvr>
-                                        <p:cTn id="14" dur="500"/>
+                                        <p:cTn id="19" dur="500"/>
                                         <p:tgtEl>
                                           <p:spTgt spid="7"/>
-                                        </p:tgtEl>
-                                      </p:cBhvr>
-                                    </p:animEffect>
-                                  </p:childTnLst>
-                                </p:cTn>
-                              </p:par>
-                            </p:childTnLst>
-                          </p:cTn>
-                        </p:par>
-                      </p:childTnLst>
-                    </p:cTn>
-                  </p:par>
-                  <p:par>
-                    <p:cTn id="15" fill="hold">
-                      <p:stCondLst>
-                        <p:cond delay="indefinite"/>
-                      </p:stCondLst>
-                      <p:childTnLst>
-                        <p:par>
-                          <p:cTn id="16" fill="hold">
-                            <p:stCondLst>
-                              <p:cond delay="0"/>
-                            </p:stCondLst>
-                            <p:childTnLst>
-                              <p:par>
-                                <p:cTn id="17" presetID="6" presetClass="entr" presetSubtype="16" fill="hold" grpId="0" nodeType="clickEffect">
-                                  <p:stCondLst>
-                                    <p:cond delay="0"/>
-                                  </p:stCondLst>
-                                  <p:childTnLst>
-                                    <p:set>
-                                      <p:cBhvr>
-                                        <p:cTn id="18" dur="1" fill="hold">
-                                          <p:stCondLst>
-                                            <p:cond delay="0"/>
-                                          </p:stCondLst>
-                                        </p:cTn>
-                                        <p:tgtEl>
-                                          <p:spTgt spid="8"/>
-                                        </p:tgtEl>
-                                        <p:attrNameLst>
-                                          <p:attrName>style.visibility</p:attrName>
-                                        </p:attrNameLst>
-                                      </p:cBhvr>
-                                      <p:to>
-                                        <p:strVal val="visible"/>
-                                      </p:to>
-                                    </p:set>
-                                    <p:animEffect transition="in" filter="circle(in)">
-                                      <p:cBhvr>
-                                        <p:cTn id="19" dur="2000"/>
-                                        <p:tgtEl>
-                                          <p:spTgt spid="8"/>
                                         </p:tgtEl>
                                       </p:cBhvr>
                                     </p:animEffect>
@@ -7855,7 +8147,7 @@
                             </p:stCondLst>
                             <p:childTnLst>
                               <p:par>
-                                <p:cTn id="22" presetID="53" presetClass="entr" presetSubtype="16" fill="hold" nodeType="clickEffect">
+                                <p:cTn id="22" presetID="6" presetClass="entr" presetSubtype="16" fill="hold" grpId="0" nodeType="clickEffect">
                                   <p:stCondLst>
                                     <p:cond delay="0"/>
                                   </p:stCondLst>
@@ -7863,6 +8155,59 @@
                                     <p:set>
                                       <p:cBhvr>
                                         <p:cTn id="23" dur="1" fill="hold">
+                                          <p:stCondLst>
+                                            <p:cond delay="0"/>
+                                          </p:stCondLst>
+                                        </p:cTn>
+                                        <p:tgtEl>
+                                          <p:spTgt spid="8"/>
+                                        </p:tgtEl>
+                                        <p:attrNameLst>
+                                          <p:attrName>style.visibility</p:attrName>
+                                        </p:attrNameLst>
+                                      </p:cBhvr>
+                                      <p:to>
+                                        <p:strVal val="visible"/>
+                                      </p:to>
+                                    </p:set>
+                                    <p:animEffect transition="in" filter="circle(in)">
+                                      <p:cBhvr>
+                                        <p:cTn id="24" dur="500"/>
+                                        <p:tgtEl>
+                                          <p:spTgt spid="8"/>
+                                        </p:tgtEl>
+                                      </p:cBhvr>
+                                    </p:animEffect>
+                                  </p:childTnLst>
+                                </p:cTn>
+                              </p:par>
+                            </p:childTnLst>
+                          </p:cTn>
+                        </p:par>
+                      </p:childTnLst>
+                    </p:cTn>
+                  </p:par>
+                  <p:par>
+                    <p:cTn id="25" fill="hold">
+                      <p:stCondLst>
+                        <p:cond delay="indefinite"/>
+                      </p:stCondLst>
+                      <p:childTnLst>
+                        <p:par>
+                          <p:cTn id="26" fill="hold">
+                            <p:stCondLst>
+                              <p:cond delay="0"/>
+                            </p:stCondLst>
+                            <p:childTnLst>
+                              <p:par>
+                                <p:cTn id="27" presetID="53" presetClass="entr" presetSubtype="16" fill="hold" nodeType="clickEffect">
+                                  <p:stCondLst>
+                                    <p:cond delay="0"/>
+                                  </p:stCondLst>
+                                  <p:childTnLst>
+                                    <p:set>
+                                      <p:cBhvr>
+                                        <p:cTn id="28" dur="1" fill="hold">
                                           <p:stCondLst>
                                             <p:cond delay="0"/>
                                           </p:stCondLst>
@@ -7880,7 +8225,7 @@
                                     </p:set>
                                     <p:anim calcmode="lin" valueType="num">
                                       <p:cBhvr>
-                                        <p:cTn id="24" dur="500" fill="hold"/>
+                                        <p:cTn id="29" dur="500" fill="hold"/>
                                         <p:tgtEl>
                                           <p:spTgt spid="9"/>
                                         </p:tgtEl>
@@ -7903,7 +8248,7 @@
                                     </p:anim>
                                     <p:anim calcmode="lin" valueType="num">
                                       <p:cBhvr>
-                                        <p:cTn id="25" dur="500" fill="hold"/>
+                                        <p:cTn id="30" dur="500" fill="hold"/>
                                         <p:tgtEl>
                                           <p:spTgt spid="9"/>
                                         </p:tgtEl>
@@ -7926,7 +8271,7 @@
                                     </p:anim>
                                     <p:animEffect transition="in" filter="fade">
                                       <p:cBhvr>
-                                        <p:cTn id="26" dur="500"/>
+                                        <p:cTn id="31" dur="500"/>
                                         <p:tgtEl>
                                           <p:spTgt spid="9"/>
                                         </p:tgtEl>
@@ -7963,6 +8308,7 @@
       </p:par>
     </p:tnLst>
     <p:bldLst>
+      <p:bldP spid="4" grpId="0"/>
       <p:bldP spid="6" grpId="0"/>
       <p:bldP spid="8" grpId="0"/>
     </p:bldLst>
